--- a/presentations/presentation_02_Практическая_работа_2_Кодирование_и_передача_информации.pptx
+++ b/presentations/presentation_02_Практическая_работа_2_Кодирование_и_передача_информации.pptx
@@ -3158,24 +3158,17 @@
       <p:grpSpPr/>
       <p:sp>
         <p:nvSpPr>
-          <p:cNvPr id="2" name="TextBox 1"/>
-          <p:cNvSpPr txBox="1"/>
-          <p:nvPr/>
-        </p:nvSpPr>
-        <p:spPr>
-          <a:xfrm>
-            <a:off x="457200" y="457200"/>
-            <a:ext cx="8229600" cy="914400"/>
-          </a:xfrm>
-          <a:prstGeom prst="rect">
-            <a:avLst/>
-          </a:prstGeom>
-          <a:noFill/>
-        </p:spPr>
-        <p:txBody>
-          <a:bodyPr wrap="none">
-            <a:spAutoFit/>
-          </a:bodyPr>
+          <p:cNvPr id="2" name="Title 1"/>
+          <p:cNvSpPr>
+            <a:spLocks noGrp="1"/>
+          </p:cNvSpPr>
+          <p:nvPr>
+            <p:ph type="title"/>
+          </p:nvPr>
+        </p:nvSpPr>
+        <p:spPr/>
+        <p:txBody>
+          <a:bodyPr/>
           <a:lstStyle/>
           <a:p>
             <a:pPr>
@@ -3194,27 +3187,21 @@
       </p:sp>
       <p:sp>
         <p:nvSpPr>
-          <p:cNvPr id="3" name="TextBox 2"/>
-          <p:cNvSpPr txBox="1"/>
-          <p:nvPr/>
-        </p:nvSpPr>
-        <p:spPr>
-          <a:xfrm>
-            <a:off x="457200" y="1371600"/>
-            <a:ext cx="8229600" cy="5029200"/>
-          </a:xfrm>
-          <a:prstGeom prst="rect">
-            <a:avLst/>
-          </a:prstGeom>
-          <a:noFill/>
-        </p:spPr>
-        <p:txBody>
-          <a:bodyPr wrap="none">
-            <a:spAutoFit/>
-          </a:bodyPr>
-          <a:lstStyle/>
-          <a:p>
-            <a:pPr>
+          <p:cNvPr id="3" name="Content Placeholder 2"/>
+          <p:cNvSpPr>
+            <a:spLocks noGrp="1"/>
+          </p:cNvSpPr>
+          <p:nvPr>
+            <p:ph idx="1"/>
+          </p:nvPr>
+        </p:nvSpPr>
+        <p:spPr/>
+        <p:txBody>
+          <a:bodyPr/>
+          <a:lstStyle/>
+          <a:p>
+            <a:pPr>
+              <a:buNone/>
               <a:defRPr sz="1400" b="1">
                 <a:solidFill>
                   <a:srgbClr val="444444"/>
@@ -3228,6 +3215,7 @@
           </a:p>
           <a:p>
             <a:pPr>
+              <a:buNone/>
               <a:defRPr sz="1400" b="1">
                 <a:solidFill>
                   <a:srgbClr val="444444"/>
@@ -3241,6 +3229,7 @@
           </a:p>
           <a:p>
             <a:pPr>
+              <a:buNone/>
               <a:defRPr sz="1400">
                 <a:solidFill>
                   <a:srgbClr val="444444"/>
@@ -3254,6 +3243,7 @@
           </a:p>
           <a:p>
             <a:pPr>
+              <a:buNone/>
               <a:defRPr sz="1400">
                 <a:solidFill>
                   <a:srgbClr val="444444"/>
@@ -3267,6 +3257,7 @@
           </a:p>
           <a:p>
             <a:pPr>
+              <a:buNone/>
               <a:defRPr sz="1400">
                 <a:solidFill>
                   <a:srgbClr val="444444"/>
@@ -3280,6 +3271,7 @@
           </a:p>
           <a:p>
             <a:pPr>
+              <a:buNone/>
               <a:defRPr sz="1400">
                 <a:solidFill>
                   <a:srgbClr val="444444"/>
@@ -3313,24 +3305,17 @@
       <p:grpSpPr/>
       <p:sp>
         <p:nvSpPr>
-          <p:cNvPr id="2" name="TextBox 1"/>
-          <p:cNvSpPr txBox="1"/>
-          <p:nvPr/>
-        </p:nvSpPr>
-        <p:spPr>
-          <a:xfrm>
-            <a:off x="457200" y="457200"/>
-            <a:ext cx="8229600" cy="914400"/>
-          </a:xfrm>
-          <a:prstGeom prst="rect">
-            <a:avLst/>
-          </a:prstGeom>
-          <a:noFill/>
-        </p:spPr>
-        <p:txBody>
-          <a:bodyPr wrap="none">
-            <a:spAutoFit/>
-          </a:bodyPr>
+          <p:cNvPr id="2" name="Title 1"/>
+          <p:cNvSpPr>
+            <a:spLocks noGrp="1"/>
+          </p:cNvSpPr>
+          <p:nvPr>
+            <p:ph type="title"/>
+          </p:nvPr>
+        </p:nvSpPr>
+        <p:spPr/>
+        <p:txBody>
+          <a:bodyPr/>
           <a:lstStyle/>
           <a:p>
             <a:pPr>
@@ -3349,27 +3334,21 @@
       </p:sp>
       <p:sp>
         <p:nvSpPr>
-          <p:cNvPr id="3" name="TextBox 2"/>
-          <p:cNvSpPr txBox="1"/>
-          <p:nvPr/>
-        </p:nvSpPr>
-        <p:spPr>
-          <a:xfrm>
-            <a:off x="457200" y="1371600"/>
-            <a:ext cx="8229600" cy="5029200"/>
-          </a:xfrm>
-          <a:prstGeom prst="rect">
-            <a:avLst/>
-          </a:prstGeom>
-          <a:noFill/>
-        </p:spPr>
-        <p:txBody>
-          <a:bodyPr wrap="none">
-            <a:spAutoFit/>
-          </a:bodyPr>
-          <a:lstStyle/>
-          <a:p>
-            <a:pPr>
+          <p:cNvPr id="3" name="Content Placeholder 2"/>
+          <p:cNvSpPr>
+            <a:spLocks noGrp="1"/>
+          </p:cNvSpPr>
+          <p:nvPr>
+            <p:ph idx="1"/>
+          </p:nvPr>
+        </p:nvSpPr>
+        <p:spPr/>
+        <p:txBody>
+          <a:bodyPr/>
+          <a:lstStyle/>
+          <a:p>
+            <a:pPr>
+              <a:buNone/>
               <a:defRPr sz="1400">
                 <a:solidFill>
                   <a:srgbClr val="444444"/>
@@ -3383,6 +3362,7 @@
           </a:p>
           <a:p>
             <a:pPr>
+              <a:buNone/>
               <a:defRPr sz="1400">
                 <a:solidFill>
                   <a:srgbClr val="444444"/>
@@ -3396,6 +3376,7 @@
           </a:p>
           <a:p>
             <a:pPr>
+              <a:buNone/>
               <a:defRPr sz="1400">
                 <a:solidFill>
                   <a:srgbClr val="444444"/>
@@ -3409,6 +3390,7 @@
           </a:p>
           <a:p>
             <a:pPr>
+              <a:buNone/>
               <a:defRPr sz="1400">
                 <a:solidFill>
                   <a:srgbClr val="444444"/>
@@ -3422,6 +3404,7 @@
           </a:p>
           <a:p>
             <a:pPr>
+              <a:buNone/>
               <a:defRPr sz="1400">
                 <a:solidFill>
                   <a:srgbClr val="444444"/>
@@ -3435,6 +3418,7 @@
           </a:p>
           <a:p>
             <a:pPr>
+              <a:buNone/>
               <a:defRPr sz="1400">
                 <a:solidFill>
                   <a:srgbClr val="444444"/>
@@ -3448,6 +3432,7 @@
           </a:p>
           <a:p>
             <a:pPr>
+              <a:buNone/>
               <a:defRPr sz="1400">
                 <a:solidFill>
                   <a:srgbClr val="444444"/>
@@ -3461,6 +3446,7 @@
           </a:p>
           <a:p>
             <a:pPr>
+              <a:buNone/>
               <a:defRPr sz="1400">
                 <a:solidFill>
                   <a:srgbClr val="444444"/>
@@ -3474,6 +3460,7 @@
           </a:p>
           <a:p>
             <a:pPr>
+              <a:buNone/>
               <a:defRPr sz="1400">
                 <a:solidFill>
                   <a:srgbClr val="444444"/>
@@ -3487,6 +3474,7 @@
           </a:p>
           <a:p>
             <a:pPr>
+              <a:buNone/>
               <a:defRPr sz="1400">
                 <a:solidFill>
                   <a:srgbClr val="444444"/>
@@ -3500,6 +3488,7 @@
           </a:p>
           <a:p>
             <a:pPr>
+              <a:buNone/>
               <a:defRPr sz="1400">
                 <a:solidFill>
                   <a:srgbClr val="444444"/>
@@ -3513,6 +3502,7 @@
           </a:p>
           <a:p>
             <a:pPr>
+              <a:buNone/>
               <a:defRPr sz="1400">
                 <a:solidFill>
                   <a:srgbClr val="444444"/>
@@ -3546,24 +3536,17 @@
       <p:grpSpPr/>
       <p:sp>
         <p:nvSpPr>
-          <p:cNvPr id="2" name="TextBox 1"/>
-          <p:cNvSpPr txBox="1"/>
-          <p:nvPr/>
-        </p:nvSpPr>
-        <p:spPr>
-          <a:xfrm>
-            <a:off x="457200" y="457200"/>
-            <a:ext cx="8229600" cy="914400"/>
-          </a:xfrm>
-          <a:prstGeom prst="rect">
-            <a:avLst/>
-          </a:prstGeom>
-          <a:noFill/>
-        </p:spPr>
-        <p:txBody>
-          <a:bodyPr wrap="none">
-            <a:spAutoFit/>
-          </a:bodyPr>
+          <p:cNvPr id="2" name="Title 1"/>
+          <p:cNvSpPr>
+            <a:spLocks noGrp="1"/>
+          </p:cNvSpPr>
+          <p:nvPr>
+            <p:ph type="title"/>
+          </p:nvPr>
+        </p:nvSpPr>
+        <p:spPr/>
+        <p:txBody>
+          <a:bodyPr/>
           <a:lstStyle/>
           <a:p>
             <a:pPr>
@@ -3582,27 +3565,21 @@
       </p:sp>
       <p:sp>
         <p:nvSpPr>
-          <p:cNvPr id="3" name="TextBox 2"/>
-          <p:cNvSpPr txBox="1"/>
-          <p:nvPr/>
-        </p:nvSpPr>
-        <p:spPr>
-          <a:xfrm>
-            <a:off x="457200" y="1371600"/>
-            <a:ext cx="8229600" cy="5029200"/>
-          </a:xfrm>
-          <a:prstGeom prst="rect">
-            <a:avLst/>
-          </a:prstGeom>
-          <a:noFill/>
-        </p:spPr>
-        <p:txBody>
-          <a:bodyPr wrap="none">
-            <a:spAutoFit/>
-          </a:bodyPr>
-          <a:lstStyle/>
-          <a:p>
-            <a:pPr>
+          <p:cNvPr id="3" name="Content Placeholder 2"/>
+          <p:cNvSpPr>
+            <a:spLocks noGrp="1"/>
+          </p:cNvSpPr>
+          <p:nvPr>
+            <p:ph idx="1"/>
+          </p:nvPr>
+        </p:nvSpPr>
+        <p:spPr/>
+        <p:txBody>
+          <a:bodyPr/>
+          <a:lstStyle/>
+          <a:p>
+            <a:pPr>
+              <a:buNone/>
               <a:defRPr sz="1400" b="1">
                 <a:solidFill>
                   <a:srgbClr val="444444"/>
@@ -3616,6 +3593,7 @@
           </a:p>
           <a:p>
             <a:pPr>
+              <a:buNone/>
               <a:defRPr sz="1400" b="1">
                 <a:solidFill>
                   <a:srgbClr val="444444"/>
@@ -3629,6 +3607,7 @@
           </a:p>
           <a:p>
             <a:pPr>
+              <a:buNone/>
               <a:defRPr sz="1400" b="1">
                 <a:solidFill>
                   <a:srgbClr val="444444"/>
@@ -3642,6 +3621,7 @@
           </a:p>
           <a:p>
             <a:pPr>
+              <a:buNone/>
               <a:defRPr sz="1400" b="1">
                 <a:solidFill>
                   <a:srgbClr val="444444"/>
@@ -3655,6 +3635,7 @@
           </a:p>
           <a:p>
             <a:pPr>
+              <a:buNone/>
               <a:defRPr sz="1400" b="1">
                 <a:solidFill>
                   <a:srgbClr val="444444"/>
@@ -3668,6 +3649,7 @@
           </a:p>
           <a:p>
             <a:pPr>
+              <a:buNone/>
               <a:defRPr sz="1400" b="1">
                 <a:solidFill>
                   <a:srgbClr val="444444"/>
@@ -3681,6 +3663,7 @@
           </a:p>
           <a:p>
             <a:pPr>
+              <a:buNone/>
               <a:defRPr sz="1400" b="1">
                 <a:solidFill>
                   <a:srgbClr val="444444"/>
@@ -3694,6 +3677,7 @@
           </a:p>
           <a:p>
             <a:pPr>
+              <a:buNone/>
               <a:defRPr sz="1400" b="1">
                 <a:solidFill>
                   <a:srgbClr val="444444"/>
@@ -3707,6 +3691,7 @@
           </a:p>
           <a:p>
             <a:pPr>
+              <a:buNone/>
               <a:defRPr sz="1400" b="1">
                 <a:solidFill>
                   <a:srgbClr val="444444"/>
@@ -3720,6 +3705,7 @@
           </a:p>
           <a:p>
             <a:pPr>
+              <a:buNone/>
               <a:defRPr sz="1400" b="1">
                 <a:solidFill>
                   <a:srgbClr val="444444"/>
@@ -3733,6 +3719,7 @@
           </a:p>
           <a:p>
             <a:pPr>
+              <a:buNone/>
               <a:defRPr sz="1400" b="1">
                 <a:solidFill>
                   <a:srgbClr val="444444"/>
@@ -3766,24 +3753,17 @@
       <p:grpSpPr/>
       <p:sp>
         <p:nvSpPr>
-          <p:cNvPr id="2" name="TextBox 1"/>
-          <p:cNvSpPr txBox="1"/>
-          <p:nvPr/>
-        </p:nvSpPr>
-        <p:spPr>
-          <a:xfrm>
-            <a:off x="457200" y="457200"/>
-            <a:ext cx="8229600" cy="914400"/>
-          </a:xfrm>
-          <a:prstGeom prst="rect">
-            <a:avLst/>
-          </a:prstGeom>
-          <a:noFill/>
-        </p:spPr>
-        <p:txBody>
-          <a:bodyPr wrap="none">
-            <a:spAutoFit/>
-          </a:bodyPr>
+          <p:cNvPr id="2" name="Title 1"/>
+          <p:cNvSpPr>
+            <a:spLocks noGrp="1"/>
+          </p:cNvSpPr>
+          <p:nvPr>
+            <p:ph type="title"/>
+          </p:nvPr>
+        </p:nvSpPr>
+        <p:spPr/>
+        <p:txBody>
+          <a:bodyPr/>
           <a:lstStyle/>
           <a:p>
             <a:pPr>
@@ -3802,27 +3782,21 @@
       </p:sp>
       <p:sp>
         <p:nvSpPr>
-          <p:cNvPr id="3" name="TextBox 2"/>
-          <p:cNvSpPr txBox="1"/>
-          <p:nvPr/>
-        </p:nvSpPr>
-        <p:spPr>
-          <a:xfrm>
-            <a:off x="457200" y="1371600"/>
-            <a:ext cx="8229600" cy="5029200"/>
-          </a:xfrm>
-          <a:prstGeom prst="rect">
-            <a:avLst/>
-          </a:prstGeom>
-          <a:noFill/>
-        </p:spPr>
-        <p:txBody>
-          <a:bodyPr wrap="none">
-            <a:spAutoFit/>
-          </a:bodyPr>
-          <a:lstStyle/>
-          <a:p>
-            <a:pPr>
+          <p:cNvPr id="3" name="Content Placeholder 2"/>
+          <p:cNvSpPr>
+            <a:spLocks noGrp="1"/>
+          </p:cNvSpPr>
+          <p:nvPr>
+            <p:ph idx="1"/>
+          </p:nvPr>
+        </p:nvSpPr>
+        <p:spPr/>
+        <p:txBody>
+          <a:bodyPr/>
+          <a:lstStyle/>
+          <a:p>
+            <a:pPr>
+              <a:buNone/>
               <a:defRPr sz="1400" b="1">
                 <a:solidFill>
                   <a:srgbClr val="444444"/>
@@ -3836,6 +3810,7 @@
           </a:p>
           <a:p>
             <a:pPr>
+              <a:buNone/>
               <a:defRPr sz="1400">
                 <a:solidFill>
                   <a:srgbClr val="444444"/>
@@ -3849,6 +3824,7 @@
           </a:p>
           <a:p>
             <a:pPr>
+              <a:buNone/>
               <a:defRPr sz="1400">
                 <a:solidFill>
                   <a:srgbClr val="444444"/>
@@ -3862,6 +3838,7 @@
           </a:p>
           <a:p>
             <a:pPr>
+              <a:buNone/>
               <a:defRPr sz="1400">
                 <a:solidFill>
                   <a:srgbClr val="444444"/>
@@ -3875,6 +3852,7 @@
           </a:p>
           <a:p>
             <a:pPr>
+              <a:buNone/>
               <a:defRPr sz="1400">
                 <a:solidFill>
                   <a:srgbClr val="444444"/>
@@ -3888,6 +3866,7 @@
           </a:p>
           <a:p>
             <a:pPr>
+              <a:buNone/>
               <a:defRPr sz="1400">
                 <a:solidFill>
                   <a:srgbClr val="444444"/>
@@ -3901,6 +3880,7 @@
           </a:p>
           <a:p>
             <a:pPr>
+              <a:buNone/>
               <a:defRPr sz="1400">
                 <a:solidFill>
                   <a:srgbClr val="444444"/>
@@ -3914,6 +3894,7 @@
           </a:p>
           <a:p>
             <a:pPr>
+              <a:buNone/>
               <a:defRPr sz="1400">
                 <a:solidFill>
                   <a:srgbClr val="444444"/>
@@ -3927,6 +3908,7 @@
           </a:p>
           <a:p>
             <a:pPr>
+              <a:buNone/>
               <a:defRPr sz="1400" b="1">
                 <a:solidFill>
                   <a:srgbClr val="444444"/>
@@ -3940,6 +3922,7 @@
           </a:p>
           <a:p>
             <a:pPr>
+              <a:buNone/>
               <a:defRPr sz="1400">
                 <a:solidFill>
                   <a:srgbClr val="444444"/>
@@ -3953,6 +3936,7 @@
           </a:p>
           <a:p>
             <a:pPr>
+              <a:buNone/>
               <a:defRPr sz="1400">
                 <a:solidFill>
                   <a:srgbClr val="444444"/>
@@ -3966,6 +3950,7 @@
           </a:p>
           <a:p>
             <a:pPr>
+              <a:buNone/>
               <a:defRPr sz="1400">
                 <a:solidFill>
                   <a:srgbClr val="444444"/>
@@ -3979,6 +3964,7 @@
           </a:p>
           <a:p>
             <a:pPr>
+              <a:buNone/>
               <a:defRPr sz="1400">
                 <a:solidFill>
                   <a:srgbClr val="444444"/>
@@ -3992,6 +3978,7 @@
           </a:p>
           <a:p>
             <a:pPr>
+              <a:buNone/>
               <a:defRPr sz="1400">
                 <a:solidFill>
                   <a:srgbClr val="444444"/>
